--- a/智慧車輛/vehicle moment of inertia report.pptx
+++ b/智慧車輛/vehicle moment of inertia report.pptx
@@ -4,6 +4,9 @@
   <p:sldMasterIdLst>
     <p:sldMasterId id="2147483648" r:id="rId1"/>
   </p:sldMasterIdLst>
+  <p:notesMasterIdLst>
+    <p:notesMasterId r:id="rId8"/>
+  </p:notesMasterIdLst>
   <p:sldIdLst>
     <p:sldId id="256" r:id="rId2"/>
     <p:sldId id="257" r:id="rId3"/>
@@ -109,7 +112,1141 @@
       </a:defRPr>
     </a:lvl9pPr>
   </p:defaultTextStyle>
+  <p:extLst>
+    <p:ext uri="{EFAFB233-063F-42B5-8137-9DF3F51BA10A}">
+      <p15:sldGuideLst xmlns:p15="http://schemas.microsoft.com/office/powerpoint/2012/main"/>
+    </p:ext>
+  </p:extLst>
 </p:presentation>
+</file>
+
+<file path=ppt/notesMasters/notesMaster1.xml><?xml version="1.0" encoding="utf-8"?>
+<p:notesMaster xmlns:a="http://schemas.openxmlformats.org/drawingml/2006/main" xmlns:r="http://schemas.openxmlformats.org/officeDocument/2006/relationships" xmlns:p="http://schemas.openxmlformats.org/presentationml/2006/main">
+  <p:cSld>
+    <p:bg>
+      <p:bgRef idx="1001">
+        <a:schemeClr val="bg1"/>
+      </p:bgRef>
+    </p:bg>
+    <p:spTree>
+      <p:nvGrpSpPr>
+        <p:cNvPr id="1" name=""/>
+        <p:cNvGrpSpPr/>
+        <p:nvPr/>
+      </p:nvGrpSpPr>
+      <p:grpSpPr>
+        <a:xfrm>
+          <a:off x="0" y="0"/>
+          <a:ext cx="0" cy="0"/>
+          <a:chOff x="0" y="0"/>
+          <a:chExt cx="0" cy="0"/>
+        </a:xfrm>
+      </p:grpSpPr>
+      <p:sp>
+        <p:nvSpPr>
+          <p:cNvPr id="2" name="頁首版面配置區 1"/>
+          <p:cNvSpPr>
+            <a:spLocks noGrp="1"/>
+          </p:cNvSpPr>
+          <p:nvPr>
+            <p:ph type="hdr" sz="quarter"/>
+          </p:nvPr>
+        </p:nvSpPr>
+        <p:spPr>
+          <a:xfrm>
+            <a:off x="0" y="0"/>
+            <a:ext cx="2971800" cy="458788"/>
+          </a:xfrm>
+          <a:prstGeom prst="rect">
+            <a:avLst/>
+          </a:prstGeom>
+        </p:spPr>
+        <p:txBody>
+          <a:bodyPr vert="horz" lIns="91440" tIns="45720" rIns="91440" bIns="45720" rtlCol="0"/>
+          <a:lstStyle>
+            <a:lvl1pPr algn="l">
+              <a:defRPr sz="1200"/>
+            </a:lvl1pPr>
+          </a:lstStyle>
+          <a:p>
+            <a:endParaRPr lang="zh-TW" altLang="en-US"/>
+          </a:p>
+        </p:txBody>
+      </p:sp>
+      <p:sp>
+        <p:nvSpPr>
+          <p:cNvPr id="3" name="日期版面配置區 2"/>
+          <p:cNvSpPr>
+            <a:spLocks noGrp="1"/>
+          </p:cNvSpPr>
+          <p:nvPr>
+            <p:ph type="dt" idx="1"/>
+          </p:nvPr>
+        </p:nvSpPr>
+        <p:spPr>
+          <a:xfrm>
+            <a:off x="3884613" y="0"/>
+            <a:ext cx="2971800" cy="458788"/>
+          </a:xfrm>
+          <a:prstGeom prst="rect">
+            <a:avLst/>
+          </a:prstGeom>
+        </p:spPr>
+        <p:txBody>
+          <a:bodyPr vert="horz" lIns="91440" tIns="45720" rIns="91440" bIns="45720" rtlCol="0"/>
+          <a:lstStyle>
+            <a:lvl1pPr algn="r">
+              <a:defRPr sz="1200"/>
+            </a:lvl1pPr>
+          </a:lstStyle>
+          <a:p>
+            <a:fld id="{B81DA1BB-A1C8-41D4-A838-2409C2BF2B23}" type="datetimeFigureOut">
+              <a:rPr lang="zh-TW" altLang="en-US" smtClean="0"/>
+              <a:t>2023/10/27</a:t>
+            </a:fld>
+            <a:endParaRPr lang="zh-TW" altLang="en-US"/>
+          </a:p>
+        </p:txBody>
+      </p:sp>
+      <p:sp>
+        <p:nvSpPr>
+          <p:cNvPr id="4" name="投影片影像版面配置區 3"/>
+          <p:cNvSpPr>
+            <a:spLocks noGrp="1" noRot="1" noChangeAspect="1"/>
+          </p:cNvSpPr>
+          <p:nvPr>
+            <p:ph type="sldImg" idx="2"/>
+          </p:nvPr>
+        </p:nvSpPr>
+        <p:spPr>
+          <a:xfrm>
+            <a:off x="685800" y="1143000"/>
+            <a:ext cx="5486400" cy="3086100"/>
+          </a:xfrm>
+          <a:prstGeom prst="rect">
+            <a:avLst/>
+          </a:prstGeom>
+          <a:noFill/>
+          <a:ln w="12700">
+            <a:solidFill>
+              <a:prstClr val="black"/>
+            </a:solidFill>
+          </a:ln>
+        </p:spPr>
+        <p:txBody>
+          <a:bodyPr vert="horz" lIns="91440" tIns="45720" rIns="91440" bIns="45720" rtlCol="0" anchor="ctr"/>
+          <a:lstStyle/>
+          <a:p>
+            <a:endParaRPr lang="zh-TW" altLang="en-US"/>
+          </a:p>
+        </p:txBody>
+      </p:sp>
+      <p:sp>
+        <p:nvSpPr>
+          <p:cNvPr id="5" name="備忘稿版面配置區 4"/>
+          <p:cNvSpPr>
+            <a:spLocks noGrp="1"/>
+          </p:cNvSpPr>
+          <p:nvPr>
+            <p:ph type="body" sz="quarter" idx="3"/>
+          </p:nvPr>
+        </p:nvSpPr>
+        <p:spPr>
+          <a:xfrm>
+            <a:off x="685800" y="4400550"/>
+            <a:ext cx="5486400" cy="3600450"/>
+          </a:xfrm>
+          <a:prstGeom prst="rect">
+            <a:avLst/>
+          </a:prstGeom>
+        </p:spPr>
+        <p:txBody>
+          <a:bodyPr vert="horz" lIns="91440" tIns="45720" rIns="91440" bIns="45720" rtlCol="0"/>
+          <a:lstStyle/>
+          <a:p>
+            <a:pPr lvl="0"/>
+            <a:r>
+              <a:rPr lang="zh-TW" altLang="en-US"/>
+              <a:t>按一下以編輯母片文字樣式</a:t>
+            </a:r>
+          </a:p>
+          <a:p>
+            <a:pPr lvl="1"/>
+            <a:r>
+              <a:rPr lang="zh-TW" altLang="en-US"/>
+              <a:t>第二層</a:t>
+            </a:r>
+          </a:p>
+          <a:p>
+            <a:pPr lvl="2"/>
+            <a:r>
+              <a:rPr lang="zh-TW" altLang="en-US"/>
+              <a:t>第三層</a:t>
+            </a:r>
+          </a:p>
+          <a:p>
+            <a:pPr lvl="3"/>
+            <a:r>
+              <a:rPr lang="zh-TW" altLang="en-US"/>
+              <a:t>第四層</a:t>
+            </a:r>
+          </a:p>
+          <a:p>
+            <a:pPr lvl="4"/>
+            <a:r>
+              <a:rPr lang="zh-TW" altLang="en-US"/>
+              <a:t>第五層</a:t>
+            </a:r>
+          </a:p>
+        </p:txBody>
+      </p:sp>
+      <p:sp>
+        <p:nvSpPr>
+          <p:cNvPr id="6" name="頁尾版面配置區 5"/>
+          <p:cNvSpPr>
+            <a:spLocks noGrp="1"/>
+          </p:cNvSpPr>
+          <p:nvPr>
+            <p:ph type="ftr" sz="quarter" idx="4"/>
+          </p:nvPr>
+        </p:nvSpPr>
+        <p:spPr>
+          <a:xfrm>
+            <a:off x="0" y="8685213"/>
+            <a:ext cx="2971800" cy="458787"/>
+          </a:xfrm>
+          <a:prstGeom prst="rect">
+            <a:avLst/>
+          </a:prstGeom>
+        </p:spPr>
+        <p:txBody>
+          <a:bodyPr vert="horz" lIns="91440" tIns="45720" rIns="91440" bIns="45720" rtlCol="0" anchor="b"/>
+          <a:lstStyle>
+            <a:lvl1pPr algn="l">
+              <a:defRPr sz="1200"/>
+            </a:lvl1pPr>
+          </a:lstStyle>
+          <a:p>
+            <a:endParaRPr lang="zh-TW" altLang="en-US"/>
+          </a:p>
+        </p:txBody>
+      </p:sp>
+      <p:sp>
+        <p:nvSpPr>
+          <p:cNvPr id="7" name="投影片編號版面配置區 6"/>
+          <p:cNvSpPr>
+            <a:spLocks noGrp="1"/>
+          </p:cNvSpPr>
+          <p:nvPr>
+            <p:ph type="sldNum" sz="quarter" idx="5"/>
+          </p:nvPr>
+        </p:nvSpPr>
+        <p:spPr>
+          <a:xfrm>
+            <a:off x="3884613" y="8685213"/>
+            <a:ext cx="2971800" cy="458787"/>
+          </a:xfrm>
+          <a:prstGeom prst="rect">
+            <a:avLst/>
+          </a:prstGeom>
+        </p:spPr>
+        <p:txBody>
+          <a:bodyPr vert="horz" lIns="91440" tIns="45720" rIns="91440" bIns="45720" rtlCol="0" anchor="b"/>
+          <a:lstStyle>
+            <a:lvl1pPr algn="r">
+              <a:defRPr sz="1200"/>
+            </a:lvl1pPr>
+          </a:lstStyle>
+          <a:p>
+            <a:fld id="{24A2D035-E6BF-4035-8185-ACF7EA5FE0BF}" type="slidenum">
+              <a:rPr lang="zh-TW" altLang="en-US" smtClean="0"/>
+              <a:t>‹#›</a:t>
+            </a:fld>
+            <a:endParaRPr lang="zh-TW" altLang="en-US"/>
+          </a:p>
+        </p:txBody>
+      </p:sp>
+    </p:spTree>
+    <p:extLst>
+      <p:ext uri="{BB962C8B-B14F-4D97-AF65-F5344CB8AC3E}">
+        <p14:creationId xmlns:p14="http://schemas.microsoft.com/office/powerpoint/2010/main" val="3707240637"/>
+      </p:ext>
+    </p:extLst>
+  </p:cSld>
+  <p:clrMap bg1="lt1" tx1="dk1" bg2="lt2" tx2="dk2" accent1="accent1" accent2="accent2" accent3="accent3" accent4="accent4" accent5="accent5" accent6="accent6" hlink="hlink" folHlink="folHlink"/>
+  <p:notesStyle>
+    <a:lvl1pPr marL="0" algn="l" defTabSz="914400" rtl="0" eaLnBrk="1" latinLnBrk="0" hangingPunct="1">
+      <a:defRPr sz="1200" kern="1200">
+        <a:solidFill>
+          <a:schemeClr val="tx1"/>
+        </a:solidFill>
+        <a:latin typeface="+mn-lt"/>
+        <a:ea typeface="+mn-ea"/>
+        <a:cs typeface="+mn-cs"/>
+      </a:defRPr>
+    </a:lvl1pPr>
+    <a:lvl2pPr marL="457200" algn="l" defTabSz="914400" rtl="0" eaLnBrk="1" latinLnBrk="0" hangingPunct="1">
+      <a:defRPr sz="1200" kern="1200">
+        <a:solidFill>
+          <a:schemeClr val="tx1"/>
+        </a:solidFill>
+        <a:latin typeface="+mn-lt"/>
+        <a:ea typeface="+mn-ea"/>
+        <a:cs typeface="+mn-cs"/>
+      </a:defRPr>
+    </a:lvl2pPr>
+    <a:lvl3pPr marL="914400" algn="l" defTabSz="914400" rtl="0" eaLnBrk="1" latinLnBrk="0" hangingPunct="1">
+      <a:defRPr sz="1200" kern="1200">
+        <a:solidFill>
+          <a:schemeClr val="tx1"/>
+        </a:solidFill>
+        <a:latin typeface="+mn-lt"/>
+        <a:ea typeface="+mn-ea"/>
+        <a:cs typeface="+mn-cs"/>
+      </a:defRPr>
+    </a:lvl3pPr>
+    <a:lvl4pPr marL="1371600" algn="l" defTabSz="914400" rtl="0" eaLnBrk="1" latinLnBrk="0" hangingPunct="1">
+      <a:defRPr sz="1200" kern="1200">
+        <a:solidFill>
+          <a:schemeClr val="tx1"/>
+        </a:solidFill>
+        <a:latin typeface="+mn-lt"/>
+        <a:ea typeface="+mn-ea"/>
+        <a:cs typeface="+mn-cs"/>
+      </a:defRPr>
+    </a:lvl4pPr>
+    <a:lvl5pPr marL="1828800" algn="l" defTabSz="914400" rtl="0" eaLnBrk="1" latinLnBrk="0" hangingPunct="1">
+      <a:defRPr sz="1200" kern="1200">
+        <a:solidFill>
+          <a:schemeClr val="tx1"/>
+        </a:solidFill>
+        <a:latin typeface="+mn-lt"/>
+        <a:ea typeface="+mn-ea"/>
+        <a:cs typeface="+mn-cs"/>
+      </a:defRPr>
+    </a:lvl5pPr>
+    <a:lvl6pPr marL="2286000" algn="l" defTabSz="914400" rtl="0" eaLnBrk="1" latinLnBrk="0" hangingPunct="1">
+      <a:defRPr sz="1200" kern="1200">
+        <a:solidFill>
+          <a:schemeClr val="tx1"/>
+        </a:solidFill>
+        <a:latin typeface="+mn-lt"/>
+        <a:ea typeface="+mn-ea"/>
+        <a:cs typeface="+mn-cs"/>
+      </a:defRPr>
+    </a:lvl6pPr>
+    <a:lvl7pPr marL="2743200" algn="l" defTabSz="914400" rtl="0" eaLnBrk="1" latinLnBrk="0" hangingPunct="1">
+      <a:defRPr sz="1200" kern="1200">
+        <a:solidFill>
+          <a:schemeClr val="tx1"/>
+        </a:solidFill>
+        <a:latin typeface="+mn-lt"/>
+        <a:ea typeface="+mn-ea"/>
+        <a:cs typeface="+mn-cs"/>
+      </a:defRPr>
+    </a:lvl7pPr>
+    <a:lvl8pPr marL="3200400" algn="l" defTabSz="914400" rtl="0" eaLnBrk="1" latinLnBrk="0" hangingPunct="1">
+      <a:defRPr sz="1200" kern="1200">
+        <a:solidFill>
+          <a:schemeClr val="tx1"/>
+        </a:solidFill>
+        <a:latin typeface="+mn-lt"/>
+        <a:ea typeface="+mn-ea"/>
+        <a:cs typeface="+mn-cs"/>
+      </a:defRPr>
+    </a:lvl8pPr>
+    <a:lvl9pPr marL="3657600" algn="l" defTabSz="914400" rtl="0" eaLnBrk="1" latinLnBrk="0" hangingPunct="1">
+      <a:defRPr sz="1200" kern="1200">
+        <a:solidFill>
+          <a:schemeClr val="tx1"/>
+        </a:solidFill>
+        <a:latin typeface="+mn-lt"/>
+        <a:ea typeface="+mn-ea"/>
+        <a:cs typeface="+mn-cs"/>
+      </a:defRPr>
+    </a:lvl9pPr>
+  </p:notesStyle>
+</p:notesMaster>
+</file>
+
+<file path=ppt/notesSlides/notesSlide1.xml><?xml version="1.0" encoding="utf-8"?>
+<p:notes xmlns:a="http://schemas.openxmlformats.org/drawingml/2006/main" xmlns:r="http://schemas.openxmlformats.org/officeDocument/2006/relationships" xmlns:p="http://schemas.openxmlformats.org/presentationml/2006/main">
+  <p:cSld>
+    <p:spTree>
+      <p:nvGrpSpPr>
+        <p:cNvPr id="1" name=""/>
+        <p:cNvGrpSpPr/>
+        <p:nvPr/>
+      </p:nvGrpSpPr>
+      <p:grpSpPr>
+        <a:xfrm>
+          <a:off x="0" y="0"/>
+          <a:ext cx="0" cy="0"/>
+          <a:chOff x="0" y="0"/>
+          <a:chExt cx="0" cy="0"/>
+        </a:xfrm>
+      </p:grpSpPr>
+      <p:sp>
+        <p:nvSpPr>
+          <p:cNvPr id="2" name="投影片影像版面配置區 1"/>
+          <p:cNvSpPr>
+            <a:spLocks noGrp="1" noRot="1" noChangeAspect="1"/>
+          </p:cNvSpPr>
+          <p:nvPr>
+            <p:ph type="sldImg"/>
+          </p:nvPr>
+        </p:nvSpPr>
+        <p:spPr/>
+      </p:sp>
+      <p:sp>
+        <p:nvSpPr>
+          <p:cNvPr id="3" name="備忘稿版面配置區 2"/>
+          <p:cNvSpPr>
+            <a:spLocks noGrp="1"/>
+          </p:cNvSpPr>
+          <p:nvPr>
+            <p:ph type="body" idx="1"/>
+          </p:nvPr>
+        </p:nvSpPr>
+        <p:spPr/>
+        <p:txBody>
+          <a:bodyPr/>
+          <a:lstStyle/>
+          <a:p>
+            <a:r>
+              <a:rPr lang="zh-TW" altLang="en-US" dirty="0"/>
+              <a:t>一般來說，想要獲得一個非均質物體的轉動貫量，需要先知道該物體的質心位置，然後積分每立方單位的重量乘以距離質心的平方，才能得到該物體正確的轉動貫量。否則，就需要使用量測的方式逆推。在</a:t>
+            </a:r>
+            <a:r>
+              <a:rPr lang="en-US" altLang="zh-TW" dirty="0"/>
+              <a:t>20</a:t>
+            </a:r>
+            <a:r>
+              <a:rPr lang="zh-TW" altLang="en-US" dirty="0"/>
+              <a:t>世紀，就有論文提出使用鐘擺的原理量測飛機、車輛的轉動貫量。量測方法大致上可分為兩種，一種是懸吊法，另一種是扭擺法。基本上都是透過分析擺盪物體的動態，來回推轉動貫量。具體的公式會依機具的不同而有不的推導方式。但是量測法的成本通常都頗高，而且只能量測車輛在空負載或固定負載下的轉動貫量。如果今天車輛有了多餘的載重，而且無法知道載重相對於車輛質心的相對位置時，就無法透過平行軸定理獲得變動後的轉動貫量。</a:t>
+            </a:r>
+          </a:p>
+        </p:txBody>
+      </p:sp>
+      <p:sp>
+        <p:nvSpPr>
+          <p:cNvPr id="4" name="投影片編號版面配置區 3"/>
+          <p:cNvSpPr>
+            <a:spLocks noGrp="1"/>
+          </p:cNvSpPr>
+          <p:nvPr>
+            <p:ph type="sldNum" sz="quarter" idx="5"/>
+          </p:nvPr>
+        </p:nvSpPr>
+        <p:spPr/>
+        <p:txBody>
+          <a:bodyPr/>
+          <a:lstStyle/>
+          <a:p>
+            <a:fld id="{24A2D035-E6BF-4035-8185-ACF7EA5FE0BF}" type="slidenum">
+              <a:rPr lang="zh-TW" altLang="en-US" smtClean="0"/>
+              <a:t>2</a:t>
+            </a:fld>
+            <a:endParaRPr lang="zh-TW" altLang="en-US"/>
+          </a:p>
+        </p:txBody>
+      </p:sp>
+    </p:spTree>
+    <p:extLst>
+      <p:ext uri="{BB962C8B-B14F-4D97-AF65-F5344CB8AC3E}">
+        <p14:creationId xmlns:p14="http://schemas.microsoft.com/office/powerpoint/2010/main" val="1595668825"/>
+      </p:ext>
+    </p:extLst>
+  </p:cSld>
+  <p:clrMapOvr>
+    <a:masterClrMapping/>
+  </p:clrMapOvr>
+</p:notes>
+</file>
+
+<file path=ppt/notesSlides/notesSlide2.xml><?xml version="1.0" encoding="utf-8"?>
+<p:notes xmlns:a="http://schemas.openxmlformats.org/drawingml/2006/main" xmlns:r="http://schemas.openxmlformats.org/officeDocument/2006/relationships" xmlns:p="http://schemas.openxmlformats.org/presentationml/2006/main">
+  <p:cSld>
+    <p:spTree>
+      <p:nvGrpSpPr>
+        <p:cNvPr id="1" name=""/>
+        <p:cNvGrpSpPr/>
+        <p:nvPr/>
+      </p:nvGrpSpPr>
+      <p:grpSpPr>
+        <a:xfrm>
+          <a:off x="0" y="0"/>
+          <a:ext cx="0" cy="0"/>
+          <a:chOff x="0" y="0"/>
+          <a:chExt cx="0" cy="0"/>
+        </a:xfrm>
+      </p:grpSpPr>
+      <p:sp>
+        <p:nvSpPr>
+          <p:cNvPr id="2" name="投影片影像版面配置區 1"/>
+          <p:cNvSpPr>
+            <a:spLocks noGrp="1" noRot="1" noChangeAspect="1"/>
+          </p:cNvSpPr>
+          <p:nvPr>
+            <p:ph type="sldImg"/>
+          </p:nvPr>
+        </p:nvSpPr>
+        <p:spPr/>
+      </p:sp>
+      <p:sp>
+        <p:nvSpPr>
+          <p:cNvPr id="3" name="備忘稿版面配置區 2"/>
+          <p:cNvSpPr>
+            <a:spLocks noGrp="1"/>
+          </p:cNvSpPr>
+          <p:nvPr>
+            <p:ph type="body" idx="1"/>
+          </p:nvPr>
+        </p:nvSpPr>
+        <p:spPr/>
+        <p:txBody>
+          <a:bodyPr/>
+          <a:lstStyle/>
+          <a:p>
+            <a:r>
+              <a:rPr lang="zh-TW" altLang="en-US" dirty="0"/>
+              <a:t>若無法藉由量測來獲得車輛的轉動貫量，便只能透過推估的方式來獲得大概的數值。雙重卡爾曼濾波器法，簡稱</a:t>
+            </a:r>
+            <a:r>
+              <a:rPr lang="en-US" altLang="zh-TW" dirty="0"/>
+              <a:t>DEKF</a:t>
+            </a:r>
+            <a:r>
+              <a:rPr lang="zh-TW" altLang="en-US" dirty="0"/>
+              <a:t>法就是其中之一。卡爾曼濾波器是一種時域的濾波器。首先我們先假設我們能準確獲得車輛的各種動態數據，如</a:t>
+            </a:r>
+            <a:r>
+              <a:rPr lang="en-US" altLang="zh-TW" dirty="0"/>
+              <a:t>: steer angle</a:t>
+            </a:r>
+            <a:r>
+              <a:rPr lang="zh-TW" altLang="en-US" dirty="0"/>
+              <a:t>、四輪各自的轉速等等，再將欲量測的變數分為兩類，一類是車輛的狀態變數</a:t>
+            </a:r>
+            <a:r>
+              <a:rPr lang="en-US" altLang="zh-TW" dirty="0"/>
+              <a:t>(</a:t>
+            </a:r>
+            <a:r>
+              <a:rPr lang="zh-TW" altLang="en-US" dirty="0"/>
+              <a:t>會一直改變的</a:t>
+            </a:r>
+            <a:r>
+              <a:rPr lang="en-US" altLang="zh-TW" dirty="0"/>
+              <a:t>)</a:t>
+            </a:r>
+            <a:r>
+              <a:rPr lang="en-US" altLang="zh-TW" dirty="0" err="1"/>
+              <a:t>xp</a:t>
+            </a:r>
+            <a:r>
+              <a:rPr lang="zh-TW" altLang="en-US" dirty="0"/>
+              <a:t>，有速度、加速度還有</a:t>
+            </a:r>
+            <a:r>
+              <a:rPr lang="en-US" altLang="zh-TW" dirty="0"/>
+              <a:t>slip angles</a:t>
+            </a:r>
+            <a:r>
+              <a:rPr lang="zh-TW" altLang="en-US" dirty="0"/>
+              <a:t>等等。另一類是車輛的常態變數</a:t>
+            </a:r>
+            <a:r>
+              <a:rPr lang="en-US" altLang="zh-TW" dirty="0"/>
+              <a:t>(</a:t>
+            </a:r>
+            <a:r>
+              <a:rPr lang="zh-TW" altLang="en-US" dirty="0"/>
+              <a:t>不會變的</a:t>
+            </a:r>
+            <a:r>
+              <a:rPr lang="en-US" altLang="zh-TW" dirty="0"/>
+              <a:t>)</a:t>
+            </a:r>
+            <a:r>
+              <a:rPr lang="en-US" altLang="zh-TW" dirty="0" err="1"/>
+              <a:t>xs</a:t>
+            </a:r>
+            <a:r>
+              <a:rPr lang="zh-TW" altLang="en-US" dirty="0"/>
+              <a:t>，有質心位置、</a:t>
+            </a:r>
+            <a:r>
+              <a:rPr lang="en-US" altLang="zh-TW" dirty="0"/>
+              <a:t>yaw moment of inertia</a:t>
+            </a:r>
+            <a:r>
+              <a:rPr lang="zh-TW" altLang="en-US" dirty="0"/>
+              <a:t>等。然後針對這兩類的變數建立卡爾曼濾波器</a:t>
+            </a:r>
+            <a:r>
+              <a:rPr lang="en-US" altLang="zh-TW" dirty="0"/>
+              <a:t>(EKF)</a:t>
+            </a:r>
+            <a:r>
+              <a:rPr lang="zh-TW" altLang="en-US" dirty="0"/>
+              <a:t>，並偵測車輛跑動的數據，輸入給這兩個</a:t>
+            </a:r>
+            <a:r>
+              <a:rPr lang="en-US" altLang="zh-TW" dirty="0"/>
+              <a:t>EKF</a:t>
+            </a:r>
+            <a:r>
+              <a:rPr lang="zh-TW" altLang="en-US" dirty="0"/>
+              <a:t>，同時這兩個卡爾曼濾波器也會互相修正，最後</a:t>
+            </a:r>
+            <a:r>
+              <a:rPr lang="en-US" altLang="zh-TW" dirty="0" err="1"/>
+              <a:t>xs</a:t>
+            </a:r>
+            <a:r>
+              <a:rPr lang="zh-TW" altLang="en-US" dirty="0"/>
+              <a:t>的</a:t>
+            </a:r>
+            <a:r>
+              <a:rPr lang="en-US" altLang="zh-TW" dirty="0"/>
+              <a:t>EKF</a:t>
+            </a:r>
+            <a:r>
+              <a:rPr lang="zh-TW" altLang="en-US" dirty="0"/>
+              <a:t>會收斂，便可以關掉它，只剩下</a:t>
+            </a:r>
+            <a:r>
+              <a:rPr lang="en-US" altLang="zh-TW" dirty="0" err="1"/>
+              <a:t>xp</a:t>
+            </a:r>
+            <a:r>
+              <a:rPr lang="zh-TW" altLang="en-US" dirty="0"/>
+              <a:t>卡爾曼濾波器繼續獲得當下的車輛狀態。這篇論文說，一個車輛輪胎模型的準確性會大大的影響</a:t>
+            </a:r>
+            <a:r>
+              <a:rPr lang="en-US" altLang="zh-TW" dirty="0" err="1"/>
+              <a:t>xs</a:t>
+            </a:r>
+            <a:r>
+              <a:rPr lang="zh-TW" altLang="en-US" dirty="0"/>
+              <a:t>卡爾曼濾波器的結果，代表轉動貫量的預估結果可能高達</a:t>
+            </a:r>
+            <a:r>
+              <a:rPr lang="en-US" altLang="zh-TW" dirty="0"/>
+              <a:t>20%</a:t>
+            </a:r>
+            <a:r>
+              <a:rPr lang="zh-TW" altLang="en-US" dirty="0"/>
+              <a:t>，但也有可能僅</a:t>
+            </a:r>
+            <a:r>
+              <a:rPr lang="en-US" altLang="zh-TW" dirty="0"/>
+              <a:t>4%</a:t>
+            </a:r>
+            <a:r>
+              <a:rPr lang="zh-TW" altLang="en-US" dirty="0"/>
+              <a:t>。但是</a:t>
+            </a:r>
+            <a:r>
+              <a:rPr lang="en-US" altLang="zh-TW" dirty="0" err="1"/>
+              <a:t>xp</a:t>
+            </a:r>
+            <a:r>
+              <a:rPr lang="zh-TW" altLang="en-US" dirty="0"/>
+              <a:t>卡爾曼濾波器相對強韌，車輛的狀態變數不會因為模型的不準確而出現太大的誤差。</a:t>
+            </a:r>
+          </a:p>
+        </p:txBody>
+      </p:sp>
+      <p:sp>
+        <p:nvSpPr>
+          <p:cNvPr id="4" name="投影片編號版面配置區 3"/>
+          <p:cNvSpPr>
+            <a:spLocks noGrp="1"/>
+          </p:cNvSpPr>
+          <p:nvPr>
+            <p:ph type="sldNum" sz="quarter" idx="5"/>
+          </p:nvPr>
+        </p:nvSpPr>
+        <p:spPr/>
+        <p:txBody>
+          <a:bodyPr/>
+          <a:lstStyle/>
+          <a:p>
+            <a:fld id="{24A2D035-E6BF-4035-8185-ACF7EA5FE0BF}" type="slidenum">
+              <a:rPr lang="zh-TW" altLang="en-US" smtClean="0"/>
+              <a:t>3</a:t>
+            </a:fld>
+            <a:endParaRPr lang="zh-TW" altLang="en-US"/>
+          </a:p>
+        </p:txBody>
+      </p:sp>
+    </p:spTree>
+    <p:extLst>
+      <p:ext uri="{BB962C8B-B14F-4D97-AF65-F5344CB8AC3E}">
+        <p14:creationId xmlns:p14="http://schemas.microsoft.com/office/powerpoint/2010/main" val="558116071"/>
+      </p:ext>
+    </p:extLst>
+  </p:cSld>
+  <p:clrMapOvr>
+    <a:masterClrMapping/>
+  </p:clrMapOvr>
+</p:notes>
+</file>
+
+<file path=ppt/notesSlides/notesSlide3.xml><?xml version="1.0" encoding="utf-8"?>
+<p:notes xmlns:a="http://schemas.openxmlformats.org/drawingml/2006/main" xmlns:r="http://schemas.openxmlformats.org/officeDocument/2006/relationships" xmlns:p="http://schemas.openxmlformats.org/presentationml/2006/main">
+  <p:cSld>
+    <p:spTree>
+      <p:nvGrpSpPr>
+        <p:cNvPr id="1" name=""/>
+        <p:cNvGrpSpPr/>
+        <p:nvPr/>
+      </p:nvGrpSpPr>
+      <p:grpSpPr>
+        <a:xfrm>
+          <a:off x="0" y="0"/>
+          <a:ext cx="0" cy="0"/>
+          <a:chOff x="0" y="0"/>
+          <a:chExt cx="0" cy="0"/>
+        </a:xfrm>
+      </p:grpSpPr>
+      <p:sp>
+        <p:nvSpPr>
+          <p:cNvPr id="2" name="投影片影像版面配置區 1"/>
+          <p:cNvSpPr>
+            <a:spLocks noGrp="1" noRot="1" noChangeAspect="1"/>
+          </p:cNvSpPr>
+          <p:nvPr>
+            <p:ph type="sldImg"/>
+          </p:nvPr>
+        </p:nvSpPr>
+        <p:spPr/>
+      </p:sp>
+      <p:sp>
+        <p:nvSpPr>
+          <p:cNvPr id="3" name="備忘稿版面配置區 2"/>
+          <p:cNvSpPr>
+            <a:spLocks noGrp="1"/>
+          </p:cNvSpPr>
+          <p:nvPr>
+            <p:ph type="body" idx="1"/>
+          </p:nvPr>
+        </p:nvSpPr>
+        <p:spPr/>
+        <p:txBody>
+          <a:bodyPr/>
+          <a:lstStyle/>
+          <a:p>
+            <a:r>
+              <a:rPr lang="en-US" altLang="zh-TW" dirty="0"/>
+              <a:t>LSR</a:t>
+            </a:r>
+            <a:r>
+              <a:rPr lang="zh-TW" altLang="en-US" dirty="0"/>
+              <a:t>是另一種推估車輛的轉動貫量之方法，全名為最小平方回歸法。</a:t>
+            </a:r>
+            <a:r>
+              <a:rPr lang="en-US" altLang="zh-TW" dirty="0"/>
+              <a:t>LSR</a:t>
+            </a:r>
+            <a:r>
+              <a:rPr lang="zh-TW" altLang="en-US" dirty="0"/>
+              <a:t>就是將離散的數據取逼近的回歸線，以得到最小誤差的方法。這篇論文將車輛簡化為二輪的</a:t>
+            </a:r>
+            <a:r>
+              <a:rPr lang="en-US" altLang="zh-TW" dirty="0"/>
+              <a:t>single-track vehicle model</a:t>
+            </a:r>
+            <a:r>
+              <a:rPr lang="zh-TW" altLang="en-US" dirty="0"/>
+              <a:t>。輸入有側向加速度、轉向加速度、後輪側向力等。其中，轉向、側向的加速度由</a:t>
+            </a:r>
+            <a:r>
+              <a:rPr lang="en-US" altLang="zh-TW" dirty="0"/>
+              <a:t>GPS</a:t>
+            </a:r>
+            <a:r>
+              <a:rPr lang="zh-TW" altLang="en-US" dirty="0"/>
+              <a:t>和其他感測器獲得，但是因為會有誤差</a:t>
+            </a:r>
+            <a:r>
+              <a:rPr lang="en-US" altLang="zh-TW" dirty="0"/>
+              <a:t>(</a:t>
+            </a:r>
+            <a:r>
+              <a:rPr lang="zh-TW" altLang="en-US" dirty="0"/>
+              <a:t>車輛的朝向有可能偏左偏右</a:t>
+            </a:r>
+            <a:r>
+              <a:rPr lang="en-US" altLang="zh-TW" dirty="0"/>
+              <a:t>)</a:t>
+            </a:r>
+            <a:r>
+              <a:rPr lang="zh-TW" altLang="en-US" dirty="0"/>
+              <a:t>，所以需先透過</a:t>
+            </a:r>
+            <a:r>
+              <a:rPr lang="en-US" altLang="zh-TW" dirty="0"/>
+              <a:t>LSR</a:t>
+            </a:r>
+            <a:r>
+              <a:rPr lang="zh-TW" altLang="en-US" dirty="0"/>
+              <a:t>修正過</a:t>
+            </a:r>
+            <a:r>
+              <a:rPr lang="en-US" altLang="zh-TW" dirty="0"/>
+              <a:t>bias angle</a:t>
+            </a:r>
+            <a:r>
+              <a:rPr lang="zh-TW" altLang="en-US" dirty="0"/>
+              <a:t>。而後輪側向力則由輪胎的鬆弛長度推估，一樣，鬆弛長度也會通過</a:t>
+            </a:r>
+            <a:r>
+              <a:rPr lang="en-US" altLang="zh-TW" dirty="0"/>
+              <a:t>LSR</a:t>
+            </a:r>
+            <a:r>
+              <a:rPr lang="zh-TW" altLang="en-US" dirty="0"/>
+              <a:t>修正。最後，當獲得了修正過的動態車輛數據後，便可以再用最小平方法推估車輛的轉動貫量了。這篇論文寫說，用他的方法在</a:t>
+            </a:r>
+            <a:r>
+              <a:rPr lang="en-US" altLang="zh-TW" dirty="0" err="1"/>
+              <a:t>CarSim</a:t>
+            </a:r>
+            <a:r>
+              <a:rPr lang="zh-TW" altLang="en-US" dirty="0"/>
+              <a:t>裡跑過後，與</a:t>
+            </a:r>
+            <a:r>
+              <a:rPr lang="en-US" altLang="zh-TW" dirty="0" err="1"/>
+              <a:t>CarSim</a:t>
+            </a:r>
+            <a:r>
+              <a:rPr lang="zh-TW" altLang="en-US" dirty="0"/>
+              <a:t>自己推估的</a:t>
+            </a:r>
+            <a:r>
+              <a:rPr lang="en-US" altLang="zh-TW" dirty="0" err="1"/>
+              <a:t>Izz</a:t>
+            </a:r>
+            <a:r>
+              <a:rPr lang="zh-TW" altLang="en-US" dirty="0"/>
+              <a:t>相差僅</a:t>
+            </a:r>
+            <a:r>
+              <a:rPr lang="en-US" altLang="zh-TW" dirty="0"/>
+              <a:t>1.5%</a:t>
+            </a:r>
+            <a:r>
+              <a:rPr lang="zh-TW" altLang="en-US" dirty="0"/>
+              <a:t>，但是作者有提到，</a:t>
+            </a:r>
+            <a:r>
+              <a:rPr lang="en-US" altLang="zh-TW" dirty="0" err="1"/>
+              <a:t>CarSim</a:t>
+            </a:r>
+            <a:r>
+              <a:rPr lang="zh-TW" altLang="en-US" dirty="0"/>
+              <a:t>的</a:t>
+            </a:r>
+            <a:r>
+              <a:rPr lang="en-US" altLang="zh-TW" dirty="0" err="1"/>
+              <a:t>Izz</a:t>
+            </a:r>
+            <a:r>
+              <a:rPr lang="zh-TW" altLang="en-US" dirty="0"/>
+              <a:t>無法保證是準確的，所以並不能代表套用</a:t>
+            </a:r>
+            <a:r>
+              <a:rPr lang="en-US" altLang="zh-TW" dirty="0"/>
+              <a:t>LSR</a:t>
+            </a:r>
+            <a:r>
+              <a:rPr lang="zh-TW" altLang="en-US" dirty="0"/>
+              <a:t>法將可以準確的預測車輛轉動貫量。</a:t>
+            </a:r>
+          </a:p>
+        </p:txBody>
+      </p:sp>
+      <p:sp>
+        <p:nvSpPr>
+          <p:cNvPr id="4" name="投影片編號版面配置區 3"/>
+          <p:cNvSpPr>
+            <a:spLocks noGrp="1"/>
+          </p:cNvSpPr>
+          <p:nvPr>
+            <p:ph type="sldNum" sz="quarter" idx="5"/>
+          </p:nvPr>
+        </p:nvSpPr>
+        <p:spPr/>
+        <p:txBody>
+          <a:bodyPr/>
+          <a:lstStyle/>
+          <a:p>
+            <a:fld id="{24A2D035-E6BF-4035-8185-ACF7EA5FE0BF}" type="slidenum">
+              <a:rPr lang="zh-TW" altLang="en-US" smtClean="0"/>
+              <a:t>4</a:t>
+            </a:fld>
+            <a:endParaRPr lang="zh-TW" altLang="en-US"/>
+          </a:p>
+        </p:txBody>
+      </p:sp>
+    </p:spTree>
+    <p:extLst>
+      <p:ext uri="{BB962C8B-B14F-4D97-AF65-F5344CB8AC3E}">
+        <p14:creationId xmlns:p14="http://schemas.microsoft.com/office/powerpoint/2010/main" val="143955251"/>
+      </p:ext>
+    </p:extLst>
+  </p:cSld>
+  <p:clrMapOvr>
+    <a:masterClrMapping/>
+  </p:clrMapOvr>
+</p:notes>
+</file>
+
+<file path=ppt/notesSlides/notesSlide4.xml><?xml version="1.0" encoding="utf-8"?>
+<p:notes xmlns:a="http://schemas.openxmlformats.org/drawingml/2006/main" xmlns:r="http://schemas.openxmlformats.org/officeDocument/2006/relationships" xmlns:p="http://schemas.openxmlformats.org/presentationml/2006/main">
+  <p:cSld>
+    <p:spTree>
+      <p:nvGrpSpPr>
+        <p:cNvPr id="1" name=""/>
+        <p:cNvGrpSpPr/>
+        <p:nvPr/>
+      </p:nvGrpSpPr>
+      <p:grpSpPr>
+        <a:xfrm>
+          <a:off x="0" y="0"/>
+          <a:ext cx="0" cy="0"/>
+          <a:chOff x="0" y="0"/>
+          <a:chExt cx="0" cy="0"/>
+        </a:xfrm>
+      </p:grpSpPr>
+      <p:sp>
+        <p:nvSpPr>
+          <p:cNvPr id="2" name="投影片影像版面配置區 1"/>
+          <p:cNvSpPr>
+            <a:spLocks noGrp="1" noRot="1" noChangeAspect="1"/>
+          </p:cNvSpPr>
+          <p:nvPr>
+            <p:ph type="sldImg"/>
+          </p:nvPr>
+        </p:nvSpPr>
+        <p:spPr/>
+      </p:sp>
+      <p:sp>
+        <p:nvSpPr>
+          <p:cNvPr id="3" name="備忘稿版面配置區 2"/>
+          <p:cNvSpPr>
+            <a:spLocks noGrp="1"/>
+          </p:cNvSpPr>
+          <p:nvPr>
+            <p:ph type="body" idx="1"/>
+          </p:nvPr>
+        </p:nvSpPr>
+        <p:spPr/>
+        <p:txBody>
+          <a:bodyPr/>
+          <a:lstStyle/>
+          <a:p>
+            <a:r>
+              <a:rPr lang="zh-TW" altLang="en-US" dirty="0"/>
+              <a:t>預估車輛轉動貫量最土炮的方式就是直接套用經驗公式，右邊是</a:t>
+            </a:r>
+            <a:r>
+              <a:rPr lang="en-US" altLang="zh-TW" dirty="0"/>
+              <a:t>SAE</a:t>
+            </a:r>
+            <a:r>
+              <a:rPr lang="zh-TW" altLang="en-US" dirty="0"/>
+              <a:t>在</a:t>
+            </a:r>
+            <a:r>
+              <a:rPr lang="en-US" altLang="zh-TW" dirty="0"/>
+              <a:t>1997</a:t>
+            </a:r>
+            <a:r>
+              <a:rPr lang="zh-TW" altLang="en-US" dirty="0"/>
+              <a:t>年統整的歷年不同學者提出的經驗公式，雖然論文有將他們進行仔細的評估，但是該經驗公式都是針對</a:t>
+            </a:r>
+            <a:r>
+              <a:rPr lang="en-US" altLang="zh-TW" dirty="0"/>
+              <a:t>20</a:t>
+            </a:r>
+            <a:r>
+              <a:rPr lang="zh-TW" altLang="en-US" dirty="0"/>
+              <a:t>世紀的車輛而來的，與現代車輛已有不小的差異，更不用談油車與電動車重量分布的不同為</a:t>
+            </a:r>
+            <a:r>
+              <a:rPr lang="en-US" altLang="zh-TW" dirty="0" err="1"/>
+              <a:t>Izz</a:t>
+            </a:r>
+            <a:r>
+              <a:rPr lang="zh-TW" altLang="en-US" dirty="0"/>
+              <a:t>帶來的巨大差異。所以，若是直接套用右側的經驗公式應該會為我們的車子帶來不小的誤差。而左側的公式則是取出影響車輛轉動貫量的關鍵變數，再套用蒙地卡羅法將</a:t>
+            </a:r>
+            <a:r>
+              <a:rPr lang="en-US" altLang="zh-TW" dirty="0" err="1"/>
+              <a:t>Izz</a:t>
+            </a:r>
+            <a:r>
+              <a:rPr lang="zh-TW" altLang="en-US" dirty="0"/>
+              <a:t>的公式線性化。因為資料較新，且有評估到車量的質心位置，我認為相對誤差會較沒右側大。</a:t>
+            </a:r>
+          </a:p>
+        </p:txBody>
+      </p:sp>
+      <p:sp>
+        <p:nvSpPr>
+          <p:cNvPr id="4" name="投影片編號版面配置區 3"/>
+          <p:cNvSpPr>
+            <a:spLocks noGrp="1"/>
+          </p:cNvSpPr>
+          <p:nvPr>
+            <p:ph type="sldNum" sz="quarter" idx="5"/>
+          </p:nvPr>
+        </p:nvSpPr>
+        <p:spPr/>
+        <p:txBody>
+          <a:bodyPr/>
+          <a:lstStyle/>
+          <a:p>
+            <a:fld id="{24A2D035-E6BF-4035-8185-ACF7EA5FE0BF}" type="slidenum">
+              <a:rPr lang="zh-TW" altLang="en-US" smtClean="0"/>
+              <a:t>5</a:t>
+            </a:fld>
+            <a:endParaRPr lang="zh-TW" altLang="en-US"/>
+          </a:p>
+        </p:txBody>
+      </p:sp>
+    </p:spTree>
+    <p:extLst>
+      <p:ext uri="{BB962C8B-B14F-4D97-AF65-F5344CB8AC3E}">
+        <p14:creationId xmlns:p14="http://schemas.microsoft.com/office/powerpoint/2010/main" val="356950240"/>
+      </p:ext>
+    </p:extLst>
+  </p:cSld>
+  <p:clrMapOvr>
+    <a:masterClrMapping/>
+  </p:clrMapOvr>
+</p:notes>
+</file>
+
+<file path=ppt/notesSlides/notesSlide5.xml><?xml version="1.0" encoding="utf-8"?>
+<p:notes xmlns:a="http://schemas.openxmlformats.org/drawingml/2006/main" xmlns:r="http://schemas.openxmlformats.org/officeDocument/2006/relationships" xmlns:p="http://schemas.openxmlformats.org/presentationml/2006/main">
+  <p:cSld>
+    <p:spTree>
+      <p:nvGrpSpPr>
+        <p:cNvPr id="1" name=""/>
+        <p:cNvGrpSpPr/>
+        <p:nvPr/>
+      </p:nvGrpSpPr>
+      <p:grpSpPr>
+        <a:xfrm>
+          <a:off x="0" y="0"/>
+          <a:ext cx="0" cy="0"/>
+          <a:chOff x="0" y="0"/>
+          <a:chExt cx="0" cy="0"/>
+        </a:xfrm>
+      </p:grpSpPr>
+      <p:sp>
+        <p:nvSpPr>
+          <p:cNvPr id="2" name="投影片影像版面配置區 1"/>
+          <p:cNvSpPr>
+            <a:spLocks noGrp="1" noRot="1" noChangeAspect="1"/>
+          </p:cNvSpPr>
+          <p:nvPr>
+            <p:ph type="sldImg"/>
+          </p:nvPr>
+        </p:nvSpPr>
+        <p:spPr/>
+      </p:sp>
+      <p:sp>
+        <p:nvSpPr>
+          <p:cNvPr id="3" name="備忘稿版面配置區 2"/>
+          <p:cNvSpPr>
+            <a:spLocks noGrp="1"/>
+          </p:cNvSpPr>
+          <p:nvPr>
+            <p:ph type="body" idx="1"/>
+          </p:nvPr>
+        </p:nvSpPr>
+        <p:spPr/>
+        <p:txBody>
+          <a:bodyPr/>
+          <a:lstStyle/>
+          <a:p>
+            <a:r>
+              <a:rPr lang="zh-TW" altLang="en-US" dirty="0"/>
+              <a:t>評估</a:t>
+            </a:r>
+            <a:r>
+              <a:rPr lang="en-US" altLang="zh-TW" dirty="0"/>
+              <a:t>(</a:t>
+            </a:r>
+            <a:r>
+              <a:rPr lang="zh-TW" altLang="en-US" dirty="0"/>
+              <a:t>喇迪賽</a:t>
+            </a:r>
+            <a:r>
+              <a:rPr lang="en-US" altLang="zh-TW" dirty="0"/>
+              <a:t>)</a:t>
+            </a:r>
+            <a:r>
+              <a:rPr lang="zh-TW" altLang="en-US" dirty="0"/>
+              <a:t>環節，應該不用我備講稿吧</a:t>
+            </a:r>
+            <a:r>
+              <a:rPr lang="en-US" altLang="zh-TW" dirty="0"/>
+              <a:t>……?</a:t>
+            </a:r>
+            <a:r>
+              <a:rPr lang="zh-TW" altLang="en-US" dirty="0"/>
+              <a:t> </a:t>
+            </a:r>
+            <a:r>
+              <a:rPr lang="en-US" altLang="zh-TW" dirty="0"/>
+              <a:t>XXD</a:t>
+            </a:r>
+            <a:endParaRPr lang="zh-TW" altLang="en-US" dirty="0"/>
+          </a:p>
+        </p:txBody>
+      </p:sp>
+      <p:sp>
+        <p:nvSpPr>
+          <p:cNvPr id="4" name="投影片編號版面配置區 3"/>
+          <p:cNvSpPr>
+            <a:spLocks noGrp="1"/>
+          </p:cNvSpPr>
+          <p:nvPr>
+            <p:ph type="sldNum" sz="quarter" idx="5"/>
+          </p:nvPr>
+        </p:nvSpPr>
+        <p:spPr/>
+        <p:txBody>
+          <a:bodyPr/>
+          <a:lstStyle/>
+          <a:p>
+            <a:fld id="{24A2D035-E6BF-4035-8185-ACF7EA5FE0BF}" type="slidenum">
+              <a:rPr lang="zh-TW" altLang="en-US" smtClean="0"/>
+              <a:t>6</a:t>
+            </a:fld>
+            <a:endParaRPr lang="zh-TW" altLang="en-US"/>
+          </a:p>
+        </p:txBody>
+      </p:sp>
+    </p:spTree>
+    <p:extLst>
+      <p:ext uri="{BB962C8B-B14F-4D97-AF65-F5344CB8AC3E}">
+        <p14:creationId xmlns:p14="http://schemas.microsoft.com/office/powerpoint/2010/main" val="3501444387"/>
+      </p:ext>
+    </p:extLst>
+  </p:cSld>
+  <p:clrMapOvr>
+    <a:masterClrMapping/>
+  </p:clrMapOvr>
+</p:notes>
 </file>
 
 <file path=ppt/slideLayouts/slideLayout1.xml><?xml version="1.0" encoding="utf-8"?>
@@ -259,7 +1396,7 @@
           <a:p>
             <a:fld id="{4A1F79BB-3EDA-44D9-A391-8B70FA780266}" type="datetimeFigureOut">
               <a:rPr lang="zh-TW" altLang="en-US" smtClean="0"/>
-              <a:t>2023/10/25</a:t>
+              <a:t>2023/10/27</a:t>
             </a:fld>
             <a:endParaRPr lang="zh-TW" altLang="en-US"/>
           </a:p>
@@ -457,7 +1594,7 @@
           <a:p>
             <a:fld id="{4A1F79BB-3EDA-44D9-A391-8B70FA780266}" type="datetimeFigureOut">
               <a:rPr lang="zh-TW" altLang="en-US" smtClean="0"/>
-              <a:t>2023/10/25</a:t>
+              <a:t>2023/10/27</a:t>
             </a:fld>
             <a:endParaRPr lang="zh-TW" altLang="en-US"/>
           </a:p>
@@ -665,7 +1802,7 @@
           <a:p>
             <a:fld id="{4A1F79BB-3EDA-44D9-A391-8B70FA780266}" type="datetimeFigureOut">
               <a:rPr lang="zh-TW" altLang="en-US" smtClean="0"/>
-              <a:t>2023/10/25</a:t>
+              <a:t>2023/10/27</a:t>
             </a:fld>
             <a:endParaRPr lang="zh-TW" altLang="en-US"/>
           </a:p>
@@ -863,7 +2000,7 @@
           <a:p>
             <a:fld id="{4A1F79BB-3EDA-44D9-A391-8B70FA780266}" type="datetimeFigureOut">
               <a:rPr lang="zh-TW" altLang="en-US" smtClean="0"/>
-              <a:t>2023/10/25</a:t>
+              <a:t>2023/10/27</a:t>
             </a:fld>
             <a:endParaRPr lang="zh-TW" altLang="en-US"/>
           </a:p>
@@ -1138,7 +2275,7 @@
           <a:p>
             <a:fld id="{4A1F79BB-3EDA-44D9-A391-8B70FA780266}" type="datetimeFigureOut">
               <a:rPr lang="zh-TW" altLang="en-US" smtClean="0"/>
-              <a:t>2023/10/25</a:t>
+              <a:t>2023/10/27</a:t>
             </a:fld>
             <a:endParaRPr lang="zh-TW" altLang="en-US"/>
           </a:p>
@@ -1403,7 +2540,7 @@
           <a:p>
             <a:fld id="{4A1F79BB-3EDA-44D9-A391-8B70FA780266}" type="datetimeFigureOut">
               <a:rPr lang="zh-TW" altLang="en-US" smtClean="0"/>
-              <a:t>2023/10/25</a:t>
+              <a:t>2023/10/27</a:t>
             </a:fld>
             <a:endParaRPr lang="zh-TW" altLang="en-US"/>
           </a:p>
@@ -1815,7 +2952,7 @@
           <a:p>
             <a:fld id="{4A1F79BB-3EDA-44D9-A391-8B70FA780266}" type="datetimeFigureOut">
               <a:rPr lang="zh-TW" altLang="en-US" smtClean="0"/>
-              <a:t>2023/10/25</a:t>
+              <a:t>2023/10/27</a:t>
             </a:fld>
             <a:endParaRPr lang="zh-TW" altLang="en-US"/>
           </a:p>
@@ -1956,7 +3093,7 @@
           <a:p>
             <a:fld id="{4A1F79BB-3EDA-44D9-A391-8B70FA780266}" type="datetimeFigureOut">
               <a:rPr lang="zh-TW" altLang="en-US" smtClean="0"/>
-              <a:t>2023/10/25</a:t>
+              <a:t>2023/10/27</a:t>
             </a:fld>
             <a:endParaRPr lang="zh-TW" altLang="en-US"/>
           </a:p>
@@ -2069,7 +3206,7 @@
           <a:p>
             <a:fld id="{4A1F79BB-3EDA-44D9-A391-8B70FA780266}" type="datetimeFigureOut">
               <a:rPr lang="zh-TW" altLang="en-US" smtClean="0"/>
-              <a:t>2023/10/25</a:t>
+              <a:t>2023/10/27</a:t>
             </a:fld>
             <a:endParaRPr lang="zh-TW" altLang="en-US"/>
           </a:p>
@@ -2380,7 +3517,7 @@
           <a:p>
             <a:fld id="{4A1F79BB-3EDA-44D9-A391-8B70FA780266}" type="datetimeFigureOut">
               <a:rPr lang="zh-TW" altLang="en-US" smtClean="0"/>
-              <a:t>2023/10/25</a:t>
+              <a:t>2023/10/27</a:t>
             </a:fld>
             <a:endParaRPr lang="zh-TW" altLang="en-US"/>
           </a:p>
@@ -2668,7 +3805,7 @@
           <a:p>
             <a:fld id="{4A1F79BB-3EDA-44D9-A391-8B70FA780266}" type="datetimeFigureOut">
               <a:rPr lang="zh-TW" altLang="en-US" smtClean="0"/>
-              <a:t>2023/10/25</a:t>
+              <a:t>2023/10/27</a:t>
             </a:fld>
             <a:endParaRPr lang="zh-TW" altLang="en-US"/>
           </a:p>
@@ -2909,7 +4046,7 @@
           <a:p>
             <a:fld id="{4A1F79BB-3EDA-44D9-A391-8B70FA780266}" type="datetimeFigureOut">
               <a:rPr lang="zh-TW" altLang="en-US" smtClean="0"/>
-              <a:t>2023/10/25</a:t>
+              <a:t>2023/10/27</a:t>
             </a:fld>
             <a:endParaRPr lang="zh-TW" altLang="en-US"/>
           </a:p>
@@ -3425,7 +4562,7 @@
           <p:nvPr/>
         </p:nvPicPr>
         <p:blipFill>
-          <a:blip r:embed="rId2"/>
+          <a:blip r:embed="rId3"/>
           <a:stretch>
             <a:fillRect/>
           </a:stretch>
@@ -3859,7 +4996,7 @@
           <p:nvPr/>
         </p:nvPicPr>
         <p:blipFill>
-          <a:blip r:embed="rId3"/>
+          <a:blip r:embed="rId4"/>
           <a:stretch>
             <a:fillRect/>
           </a:stretch>
@@ -3889,7 +5026,7 @@
           <p:nvPr/>
         </p:nvPicPr>
         <p:blipFill>
-          <a:blip r:embed="rId4"/>
+          <a:blip r:embed="rId5"/>
           <a:stretch>
             <a:fillRect/>
           </a:stretch>
@@ -3963,8 +5100,8 @@
           </a:p>
         </p:txBody>
       </p:sp>
-      <mc:AlternateContent xmlns:mc="http://schemas.openxmlformats.org/markup-compatibility/2006">
-        <mc:Choice xmlns:a14="http://schemas.microsoft.com/office/drawing/2010/main" Requires="a14">
+      <mc:AlternateContent xmlns:mc="http://schemas.openxmlformats.org/markup-compatibility/2006" xmlns:a14="http://schemas.microsoft.com/office/drawing/2010/main">
+        <mc:Choice Requires="a14">
           <p:sp>
             <p:nvSpPr>
               <p:cNvPr id="3" name="內容版面配置區 2">
@@ -4209,7 +5346,7 @@
             </p:txBody>
           </p:sp>
         </mc:Choice>
-        <mc:Fallback>
+        <mc:Fallback xmlns="">
           <p:sp>
             <p:nvSpPr>
               <p:cNvPr id="3" name="內容版面配置區 2">
@@ -4232,7 +5369,7 @@
                 <a:ext cx="4880020" cy="4351338"/>
               </a:xfrm>
               <a:blipFill>
-                <a:blip r:embed="rId2"/>
+                <a:blip r:embed="rId3"/>
                 <a:stretch>
                   <a:fillRect l="-1500" t="-2801"/>
                 </a:stretch>
@@ -4268,7 +5405,7 @@
           <p:nvPr/>
         </p:nvPicPr>
         <p:blipFill>
-          <a:blip r:embed="rId3"/>
+          <a:blip r:embed="rId4"/>
           <a:stretch>
             <a:fillRect/>
           </a:stretch>
@@ -4298,7 +5435,7 @@
           <p:nvPr/>
         </p:nvPicPr>
         <p:blipFill>
-          <a:blip r:embed="rId4"/>
+          <a:blip r:embed="rId5"/>
           <a:stretch>
             <a:fillRect/>
           </a:stretch>
@@ -4368,7 +5505,7 @@
               <p:nvPr/>
             </p:nvPicPr>
             <p:blipFill>
-              <a:blip r:embed="rId5"/>
+              <a:blip r:embed="rId6"/>
               <a:stretch>
                 <a:fillRect/>
               </a:stretch>
@@ -4398,7 +5535,7 @@
               <p:nvPr/>
             </p:nvPicPr>
             <p:blipFill>
-              <a:blip r:embed="rId6"/>
+              <a:blip r:embed="rId7"/>
               <a:stretch>
                 <a:fillRect/>
               </a:stretch>
@@ -4429,7 +5566,7 @@
             <p:nvPr/>
           </p:nvPicPr>
           <p:blipFill>
-            <a:blip r:embed="rId7"/>
+            <a:blip r:embed="rId8"/>
             <a:stretch>
               <a:fillRect/>
             </a:stretch>
@@ -4652,7 +5789,7 @@
             </a:r>
             <a:r>
               <a:rPr lang="en-US" altLang="zh-TW" dirty="0"/>
-              <a:t> value which is not ensure the precision</a:t>
+              <a:t> value which does not ensure the precision</a:t>
             </a:r>
             <a:endParaRPr lang="zh-TW" altLang="en-US" dirty="0"/>
           </a:p>
@@ -4673,7 +5810,7 @@
           <p:nvPr/>
         </p:nvPicPr>
         <p:blipFill>
-          <a:blip r:embed="rId2"/>
+          <a:blip r:embed="rId3"/>
           <a:stretch>
             <a:fillRect/>
           </a:stretch>
@@ -4703,7 +5840,7 @@
           <p:nvPr/>
         </p:nvPicPr>
         <p:blipFill rotWithShape="1">
-          <a:blip r:embed="rId3"/>
+          <a:blip r:embed="rId4"/>
           <a:srcRect t="904"/>
           <a:stretch/>
         </p:blipFill>
@@ -4752,7 +5889,7 @@
             <p:nvPr/>
           </p:nvPicPr>
           <p:blipFill rotWithShape="1">
-            <a:blip r:embed="rId4"/>
+            <a:blip r:embed="rId5"/>
             <a:srcRect t="1414" b="1"/>
             <a:stretch/>
           </p:blipFill>
@@ -5005,8 +6142,8 @@
           </a:p>
         </p:txBody>
       </p:sp>
-      <mc:AlternateContent xmlns:mc="http://schemas.openxmlformats.org/markup-compatibility/2006">
-        <mc:Choice xmlns:a14="http://schemas.microsoft.com/office/drawing/2010/main" Requires="a14">
+      <mc:AlternateContent xmlns:mc="http://schemas.openxmlformats.org/markup-compatibility/2006" xmlns:a14="http://schemas.microsoft.com/office/drawing/2010/main">
+        <mc:Choice Requires="a14">
           <p:sp>
             <p:nvSpPr>
               <p:cNvPr id="3" name="內容版面配置區 2">
@@ -5203,7 +6340,7 @@
             </p:txBody>
           </p:sp>
         </mc:Choice>
-        <mc:Fallback>
+        <mc:Fallback xmlns="">
           <p:sp>
             <p:nvSpPr>
               <p:cNvPr id="3" name="內容版面配置區 2">
@@ -5226,7 +6363,7 @@
                 <a:ext cx="4556043" cy="1120775"/>
               </a:xfrm>
               <a:blipFill>
-                <a:blip r:embed="rId2"/>
+                <a:blip r:embed="rId3"/>
                 <a:stretch>
                   <a:fillRect l="-1874" t="-5978" b="-8152"/>
                 </a:stretch>
@@ -5282,7 +6419,7 @@
             <p:nvPr/>
           </p:nvPicPr>
           <p:blipFill>
-            <a:blip r:embed="rId3"/>
+            <a:blip r:embed="rId4"/>
             <a:stretch>
               <a:fillRect/>
             </a:stretch>
@@ -5396,8 +6533,8 @@
           </a:fontRef>
         </p:style>
       </p:cxnSp>
-      <mc:AlternateContent xmlns:mc="http://schemas.openxmlformats.org/markup-compatibility/2006">
-        <mc:Choice xmlns:a14="http://schemas.microsoft.com/office/drawing/2010/main" Requires="a14">
+      <mc:AlternateContent xmlns:mc="http://schemas.openxmlformats.org/markup-compatibility/2006" xmlns:a14="http://schemas.microsoft.com/office/drawing/2010/main">
+        <mc:Choice Requires="a14">
           <p:sp>
             <p:nvSpPr>
               <p:cNvPr id="14" name="文字方塊 13">
@@ -5571,13 +6708,7 @@
                       <a:rPr lang="en-US" altLang="zh-TW" b="0" i="1" smtClean="0">
                         <a:latin typeface="Cambria Math" panose="02040503050406030204" pitchFamily="18" charset="0"/>
                       </a:rPr>
-                      <m:t>=</m:t>
-                    </m:r>
-                    <m:r>
-                      <a:rPr lang="en-US" altLang="zh-TW" b="0" i="1" smtClean="0">
-                        <a:latin typeface="Cambria Math" panose="02040503050406030204" pitchFamily="18" charset="0"/>
-                      </a:rPr>
-                      <m:t>2.86</m:t>
+                      <m:t>=2.86</m:t>
                     </m:r>
                     <m:r>
                       <a:rPr lang="en-US" altLang="zh-TW" b="0" i="1" smtClean="0">
@@ -6588,7 +7719,7 @@
             </p:txBody>
           </p:sp>
         </mc:Choice>
-        <mc:Fallback>
+        <mc:Fallback xmlns="">
           <p:sp>
             <p:nvSpPr>
               <p:cNvPr id="14" name="文字方塊 13">
@@ -6612,7 +7743,7 @@
                 <a:avLst/>
               </a:prstGeom>
               <a:blipFill>
-                <a:blip r:embed="rId4"/>
+                <a:blip r:embed="rId5"/>
                 <a:stretch>
                   <a:fillRect l="-812" t="-529" r="-580"/>
                 </a:stretch>
@@ -6648,7 +7779,7 @@
           <p:nvPr/>
         </p:nvPicPr>
         <p:blipFill rotWithShape="1">
-          <a:blip r:embed="rId5"/>
+          <a:blip r:embed="rId6"/>
           <a:srcRect t="5337"/>
           <a:stretch/>
         </p:blipFill>
@@ -6754,7 +7885,7 @@
             </a:r>
             <a:r>
               <a:rPr lang="en-US" altLang="zh-TW" sz="1200" dirty="0">
-                <a:hlinkClick r:id="rId6"/>
+                <a:hlinkClick r:id="rId7"/>
               </a:rPr>
               <a:t>http://www.jstor.org/stable/44731313. Accessed 25 Oct. 2023</a:t>
             </a:r>
@@ -7068,8 +8199,8 @@
           </a:graphicData>
         </a:graphic>
       </p:graphicFrame>
-      <mc:AlternateContent xmlns:mc="http://schemas.openxmlformats.org/markup-compatibility/2006">
-        <mc:Choice xmlns:a14="http://schemas.microsoft.com/office/drawing/2010/main" Requires="a14">
+      <mc:AlternateContent xmlns:mc="http://schemas.openxmlformats.org/markup-compatibility/2006" xmlns:a14="http://schemas.microsoft.com/office/drawing/2010/main">
+        <mc:Choice Requires="a14">
           <p:graphicFrame>
             <p:nvGraphicFramePr>
               <p:cNvPr id="4" name="表格 4">
@@ -7167,13 +8298,7 @@
                                     <a:rPr lang="en-US" altLang="zh-TW" b="1" i="1" smtClean="0">
                                       <a:latin typeface="Cambria Math" panose="02040503050406030204" pitchFamily="18" charset="0"/>
                                     </a:rPr>
-                                    <m:t>𝒛</m:t>
-                                  </m:r>
-                                  <m:r>
-                                    <a:rPr lang="en-US" altLang="zh-TW" b="1" i="1" smtClean="0">
-                                      <a:latin typeface="Cambria Math" panose="02040503050406030204" pitchFamily="18" charset="0"/>
-                                    </a:rPr>
-                                    <m:t>𝒛</m:t>
+                                    <m:t>𝒛𝒛</m:t>
                                   </m:r>
                                 </m:sub>
                               </m:sSub>
@@ -7617,7 +8742,7 @@
             </a:graphic>
           </p:graphicFrame>
         </mc:Choice>
-        <mc:Fallback>
+        <mc:Fallback xmlns="">
           <p:graphicFrame>
             <p:nvGraphicFramePr>
               <p:cNvPr id="4" name="表格 4">
@@ -7689,7 +8814,7 @@
                       </a:txBody>
                       <a:tcPr anchor="ctr">
                         <a:blipFill>
-                          <a:blip r:embed="rId2"/>
+                          <a:blip r:embed="rId3"/>
                           <a:stretch>
                             <a:fillRect l="-231" t="-8197" r="-300463" b="-1037705"/>
                           </a:stretch>
@@ -8433,4 +9558,299 @@
     </a:ext>
   </a:extLst>
 </a:theme>
+</file>
+
+<file path=ppt/theme/theme2.xml><?xml version="1.0" encoding="utf-8"?>
+<a:theme xmlns:a="http://schemas.openxmlformats.org/drawingml/2006/main" name="Office 佈景主題">
+  <a:themeElements>
+    <a:clrScheme name="Office">
+      <a:dk1>
+        <a:sysClr val="windowText" lastClr="000000"/>
+      </a:dk1>
+      <a:lt1>
+        <a:sysClr val="window" lastClr="FFFFFF"/>
+      </a:lt1>
+      <a:dk2>
+        <a:srgbClr val="44546A"/>
+      </a:dk2>
+      <a:lt2>
+        <a:srgbClr val="E7E6E6"/>
+      </a:lt2>
+      <a:accent1>
+        <a:srgbClr val="4472C4"/>
+      </a:accent1>
+      <a:accent2>
+        <a:srgbClr val="ED7D31"/>
+      </a:accent2>
+      <a:accent3>
+        <a:srgbClr val="A5A5A5"/>
+      </a:accent3>
+      <a:accent4>
+        <a:srgbClr val="FFC000"/>
+      </a:accent4>
+      <a:accent5>
+        <a:srgbClr val="5B9BD5"/>
+      </a:accent5>
+      <a:accent6>
+        <a:srgbClr val="70AD47"/>
+      </a:accent6>
+      <a:hlink>
+        <a:srgbClr val="0563C1"/>
+      </a:hlink>
+      <a:folHlink>
+        <a:srgbClr val="954F72"/>
+      </a:folHlink>
+    </a:clrScheme>
+    <a:fontScheme name="Office">
+      <a:majorFont>
+        <a:latin typeface="Calibri Light" panose="020F0302020204030204"/>
+        <a:ea typeface=""/>
+        <a:cs typeface=""/>
+        <a:font script="Jpan" typeface="游ゴシック Light"/>
+        <a:font script="Hang" typeface="맑은 고딕"/>
+        <a:font script="Hans" typeface="等线 Light"/>
+        <a:font script="Hant" typeface="新細明體"/>
+        <a:font script="Arab" typeface="Times New Roman"/>
+        <a:font script="Hebr" typeface="Times New Roman"/>
+        <a:font script="Thai" typeface="Angsana New"/>
+        <a:font script="Ethi" typeface="Nyala"/>
+        <a:font script="Beng" typeface="Vrinda"/>
+        <a:font script="Gujr" typeface="Shruti"/>
+        <a:font script="Khmr" typeface="MoolBoran"/>
+        <a:font script="Knda" typeface="Tunga"/>
+        <a:font script="Guru" typeface="Raavi"/>
+        <a:font script="Cans" typeface="Euphemia"/>
+        <a:font script="Cher" typeface="Plantagenet Cherokee"/>
+        <a:font script="Yiii" typeface="Microsoft Yi Baiti"/>
+        <a:font script="Tibt" typeface="Microsoft Himalaya"/>
+        <a:font script="Thaa" typeface="MV Boli"/>
+        <a:font script="Deva" typeface="Mangal"/>
+        <a:font script="Telu" typeface="Gautami"/>
+        <a:font script="Taml" typeface="Latha"/>
+        <a:font script="Syrc" typeface="Estrangelo Edessa"/>
+        <a:font script="Orya" typeface="Kalinga"/>
+        <a:font script="Mlym" typeface="Kartika"/>
+        <a:font script="Laoo" typeface="DokChampa"/>
+        <a:font script="Sinh" typeface="Iskoola Pota"/>
+        <a:font script="Mong" typeface="Mongolian Baiti"/>
+        <a:font script="Viet" typeface="Times New Roman"/>
+        <a:font script="Uigh" typeface="Microsoft Uighur"/>
+        <a:font script="Geor" typeface="Sylfaen"/>
+        <a:font script="Armn" typeface="Arial"/>
+        <a:font script="Bugi" typeface="Leelawadee UI"/>
+        <a:font script="Bopo" typeface="Microsoft JhengHei"/>
+        <a:font script="Java" typeface="Javanese Text"/>
+        <a:font script="Lisu" typeface="Segoe UI"/>
+        <a:font script="Mymr" typeface="Myanmar Text"/>
+        <a:font script="Nkoo" typeface="Ebrima"/>
+        <a:font script="Olck" typeface="Nirmala UI"/>
+        <a:font script="Osma" typeface="Ebrima"/>
+        <a:font script="Phag" typeface="Phagspa"/>
+        <a:font script="Syrn" typeface="Estrangelo Edessa"/>
+        <a:font script="Syrj" typeface="Estrangelo Edessa"/>
+        <a:font script="Syre" typeface="Estrangelo Edessa"/>
+        <a:font script="Sora" typeface="Nirmala UI"/>
+        <a:font script="Tale" typeface="Microsoft Tai Le"/>
+        <a:font script="Talu" typeface="Microsoft New Tai Lue"/>
+        <a:font script="Tfng" typeface="Ebrima"/>
+      </a:majorFont>
+      <a:minorFont>
+        <a:latin typeface="Calibri" panose="020F0502020204030204"/>
+        <a:ea typeface=""/>
+        <a:cs typeface=""/>
+        <a:font script="Jpan" typeface="游ゴシック"/>
+        <a:font script="Hang" typeface="맑은 고딕"/>
+        <a:font script="Hans" typeface="等线"/>
+        <a:font script="Hant" typeface="新細明體"/>
+        <a:font script="Arab" typeface="Arial"/>
+        <a:font script="Hebr" typeface="Arial"/>
+        <a:font script="Thai" typeface="Cordia New"/>
+        <a:font script="Ethi" typeface="Nyala"/>
+        <a:font script="Beng" typeface="Vrinda"/>
+        <a:font script="Gujr" typeface="Shruti"/>
+        <a:font script="Khmr" typeface="DaunPenh"/>
+        <a:font script="Knda" typeface="Tunga"/>
+        <a:font script="Guru" typeface="Raavi"/>
+        <a:font script="Cans" typeface="Euphemia"/>
+        <a:font script="Cher" typeface="Plantagenet Cherokee"/>
+        <a:font script="Yiii" typeface="Microsoft Yi Baiti"/>
+        <a:font script="Tibt" typeface="Microsoft Himalaya"/>
+        <a:font script="Thaa" typeface="MV Boli"/>
+        <a:font script="Deva" typeface="Mangal"/>
+        <a:font script="Telu" typeface="Gautami"/>
+        <a:font script="Taml" typeface="Latha"/>
+        <a:font script="Syrc" typeface="Estrangelo Edessa"/>
+        <a:font script="Orya" typeface="Kalinga"/>
+        <a:font script="Mlym" typeface="Kartika"/>
+        <a:font script="Laoo" typeface="DokChampa"/>
+        <a:font script="Sinh" typeface="Iskoola Pota"/>
+        <a:font script="Mong" typeface="Mongolian Baiti"/>
+        <a:font script="Viet" typeface="Arial"/>
+        <a:font script="Uigh" typeface="Microsoft Uighur"/>
+        <a:font script="Geor" typeface="Sylfaen"/>
+        <a:font script="Armn" typeface="Arial"/>
+        <a:font script="Bugi" typeface="Leelawadee UI"/>
+        <a:font script="Bopo" typeface="Microsoft JhengHei"/>
+        <a:font script="Java" typeface="Javanese Text"/>
+        <a:font script="Lisu" typeface="Segoe UI"/>
+        <a:font script="Mymr" typeface="Myanmar Text"/>
+        <a:font script="Nkoo" typeface="Ebrima"/>
+        <a:font script="Olck" typeface="Nirmala UI"/>
+        <a:font script="Osma" typeface="Ebrima"/>
+        <a:font script="Phag" typeface="Phagspa"/>
+        <a:font script="Syrn" typeface="Estrangelo Edessa"/>
+        <a:font script="Syrj" typeface="Estrangelo Edessa"/>
+        <a:font script="Syre" typeface="Estrangelo Edessa"/>
+        <a:font script="Sora" typeface="Nirmala UI"/>
+        <a:font script="Tale" typeface="Microsoft Tai Le"/>
+        <a:font script="Talu" typeface="Microsoft New Tai Lue"/>
+        <a:font script="Tfng" typeface="Ebrima"/>
+      </a:minorFont>
+    </a:fontScheme>
+    <a:fmtScheme name="Office">
+      <a:fillStyleLst>
+        <a:solidFill>
+          <a:schemeClr val="phClr"/>
+        </a:solidFill>
+        <a:gradFill rotWithShape="1">
+          <a:gsLst>
+            <a:gs pos="0">
+              <a:schemeClr val="phClr">
+                <a:lumMod val="110000"/>
+                <a:satMod val="105000"/>
+                <a:tint val="67000"/>
+              </a:schemeClr>
+            </a:gs>
+            <a:gs pos="50000">
+              <a:schemeClr val="phClr">
+                <a:lumMod val="105000"/>
+                <a:satMod val="103000"/>
+                <a:tint val="73000"/>
+              </a:schemeClr>
+            </a:gs>
+            <a:gs pos="100000">
+              <a:schemeClr val="phClr">
+                <a:lumMod val="105000"/>
+                <a:satMod val="109000"/>
+                <a:tint val="81000"/>
+              </a:schemeClr>
+            </a:gs>
+          </a:gsLst>
+          <a:lin ang="5400000" scaled="0"/>
+        </a:gradFill>
+        <a:gradFill rotWithShape="1">
+          <a:gsLst>
+            <a:gs pos="0">
+              <a:schemeClr val="phClr">
+                <a:satMod val="103000"/>
+                <a:lumMod val="102000"/>
+                <a:tint val="94000"/>
+              </a:schemeClr>
+            </a:gs>
+            <a:gs pos="50000">
+              <a:schemeClr val="phClr">
+                <a:satMod val="110000"/>
+                <a:lumMod val="100000"/>
+                <a:shade val="100000"/>
+              </a:schemeClr>
+            </a:gs>
+            <a:gs pos="100000">
+              <a:schemeClr val="phClr">
+                <a:lumMod val="99000"/>
+                <a:satMod val="120000"/>
+                <a:shade val="78000"/>
+              </a:schemeClr>
+            </a:gs>
+          </a:gsLst>
+          <a:lin ang="5400000" scaled="0"/>
+        </a:gradFill>
+      </a:fillStyleLst>
+      <a:lnStyleLst>
+        <a:ln w="6350" cap="flat" cmpd="sng" algn="ctr">
+          <a:solidFill>
+            <a:schemeClr val="phClr"/>
+          </a:solidFill>
+          <a:prstDash val="solid"/>
+          <a:miter lim="800000"/>
+        </a:ln>
+        <a:ln w="12700" cap="flat" cmpd="sng" algn="ctr">
+          <a:solidFill>
+            <a:schemeClr val="phClr"/>
+          </a:solidFill>
+          <a:prstDash val="solid"/>
+          <a:miter lim="800000"/>
+        </a:ln>
+        <a:ln w="19050" cap="flat" cmpd="sng" algn="ctr">
+          <a:solidFill>
+            <a:schemeClr val="phClr"/>
+          </a:solidFill>
+          <a:prstDash val="solid"/>
+          <a:miter lim="800000"/>
+        </a:ln>
+      </a:lnStyleLst>
+      <a:effectStyleLst>
+        <a:effectStyle>
+          <a:effectLst/>
+        </a:effectStyle>
+        <a:effectStyle>
+          <a:effectLst/>
+        </a:effectStyle>
+        <a:effectStyle>
+          <a:effectLst>
+            <a:outerShdw blurRad="57150" dist="19050" dir="5400000" algn="ctr" rotWithShape="0">
+              <a:srgbClr val="000000">
+                <a:alpha val="63000"/>
+              </a:srgbClr>
+            </a:outerShdw>
+          </a:effectLst>
+        </a:effectStyle>
+      </a:effectStyleLst>
+      <a:bgFillStyleLst>
+        <a:solidFill>
+          <a:schemeClr val="phClr"/>
+        </a:solidFill>
+        <a:solidFill>
+          <a:schemeClr val="phClr">
+            <a:tint val="95000"/>
+            <a:satMod val="170000"/>
+          </a:schemeClr>
+        </a:solidFill>
+        <a:gradFill rotWithShape="1">
+          <a:gsLst>
+            <a:gs pos="0">
+              <a:schemeClr val="phClr">
+                <a:tint val="93000"/>
+                <a:satMod val="150000"/>
+                <a:shade val="98000"/>
+                <a:lumMod val="102000"/>
+              </a:schemeClr>
+            </a:gs>
+            <a:gs pos="50000">
+              <a:schemeClr val="phClr">
+                <a:tint val="98000"/>
+                <a:satMod val="130000"/>
+                <a:shade val="90000"/>
+                <a:lumMod val="103000"/>
+              </a:schemeClr>
+            </a:gs>
+            <a:gs pos="100000">
+              <a:schemeClr val="phClr">
+                <a:shade val="63000"/>
+                <a:satMod val="120000"/>
+              </a:schemeClr>
+            </a:gs>
+          </a:gsLst>
+          <a:lin ang="5400000" scaled="0"/>
+        </a:gradFill>
+      </a:bgFillStyleLst>
+    </a:fmtScheme>
+  </a:themeElements>
+  <a:objectDefaults/>
+  <a:extraClrSchemeLst/>
+  <a:extLst>
+    <a:ext uri="{05A4C25C-085E-4340-85A3-A5531E510DB2}">
+      <thm15:themeFamily xmlns:thm15="http://schemas.microsoft.com/office/thememl/2012/main" name="Office Theme" id="{62F939B6-93AF-4DB8-9C6B-D6C7DFDC589F}" vid="{4A3C46E8-61CC-4603-A589-7422A47A8E4A}"/>
+    </a:ext>
+  </a:extLst>
+</a:theme>
 </file>
--- a/智慧車輛/vehicle moment of inertia report.pptx
+++ b/智慧車輛/vehicle moment of inertia report.pptx
@@ -202,7 +202,7 @@
           <a:p>
             <a:fld id="{B81DA1BB-A1C8-41D4-A838-2409C2BF2B23}" type="datetimeFigureOut">
               <a:rPr lang="zh-TW" altLang="en-US" smtClean="0"/>
-              <a:t>2023/10/27</a:t>
+              <a:t>2025/3/13</a:t>
             </a:fld>
             <a:endParaRPr lang="zh-TW" altLang="en-US"/>
           </a:p>
@@ -1396,7 +1396,7 @@
           <a:p>
             <a:fld id="{4A1F79BB-3EDA-44D9-A391-8B70FA780266}" type="datetimeFigureOut">
               <a:rPr lang="zh-TW" altLang="en-US" smtClean="0"/>
-              <a:t>2023/10/27</a:t>
+              <a:t>2025/3/13</a:t>
             </a:fld>
             <a:endParaRPr lang="zh-TW" altLang="en-US"/>
           </a:p>
@@ -1594,7 +1594,7 @@
           <a:p>
             <a:fld id="{4A1F79BB-3EDA-44D9-A391-8B70FA780266}" type="datetimeFigureOut">
               <a:rPr lang="zh-TW" altLang="en-US" smtClean="0"/>
-              <a:t>2023/10/27</a:t>
+              <a:t>2025/3/13</a:t>
             </a:fld>
             <a:endParaRPr lang="zh-TW" altLang="en-US"/>
           </a:p>
@@ -1802,7 +1802,7 @@
           <a:p>
             <a:fld id="{4A1F79BB-3EDA-44D9-A391-8B70FA780266}" type="datetimeFigureOut">
               <a:rPr lang="zh-TW" altLang="en-US" smtClean="0"/>
-              <a:t>2023/10/27</a:t>
+              <a:t>2025/3/13</a:t>
             </a:fld>
             <a:endParaRPr lang="zh-TW" altLang="en-US"/>
           </a:p>
@@ -2000,7 +2000,7 @@
           <a:p>
             <a:fld id="{4A1F79BB-3EDA-44D9-A391-8B70FA780266}" type="datetimeFigureOut">
               <a:rPr lang="zh-TW" altLang="en-US" smtClean="0"/>
-              <a:t>2023/10/27</a:t>
+              <a:t>2025/3/13</a:t>
             </a:fld>
             <a:endParaRPr lang="zh-TW" altLang="en-US"/>
           </a:p>
@@ -2275,7 +2275,7 @@
           <a:p>
             <a:fld id="{4A1F79BB-3EDA-44D9-A391-8B70FA780266}" type="datetimeFigureOut">
               <a:rPr lang="zh-TW" altLang="en-US" smtClean="0"/>
-              <a:t>2023/10/27</a:t>
+              <a:t>2025/3/13</a:t>
             </a:fld>
             <a:endParaRPr lang="zh-TW" altLang="en-US"/>
           </a:p>
@@ -2540,7 +2540,7 @@
           <a:p>
             <a:fld id="{4A1F79BB-3EDA-44D9-A391-8B70FA780266}" type="datetimeFigureOut">
               <a:rPr lang="zh-TW" altLang="en-US" smtClean="0"/>
-              <a:t>2023/10/27</a:t>
+              <a:t>2025/3/13</a:t>
             </a:fld>
             <a:endParaRPr lang="zh-TW" altLang="en-US"/>
           </a:p>
@@ -2952,7 +2952,7 @@
           <a:p>
             <a:fld id="{4A1F79BB-3EDA-44D9-A391-8B70FA780266}" type="datetimeFigureOut">
               <a:rPr lang="zh-TW" altLang="en-US" smtClean="0"/>
-              <a:t>2023/10/27</a:t>
+              <a:t>2025/3/13</a:t>
             </a:fld>
             <a:endParaRPr lang="zh-TW" altLang="en-US"/>
           </a:p>
@@ -3093,7 +3093,7 @@
           <a:p>
             <a:fld id="{4A1F79BB-3EDA-44D9-A391-8B70FA780266}" type="datetimeFigureOut">
               <a:rPr lang="zh-TW" altLang="en-US" smtClean="0"/>
-              <a:t>2023/10/27</a:t>
+              <a:t>2025/3/13</a:t>
             </a:fld>
             <a:endParaRPr lang="zh-TW" altLang="en-US"/>
           </a:p>
@@ -3206,7 +3206,7 @@
           <a:p>
             <a:fld id="{4A1F79BB-3EDA-44D9-A391-8B70FA780266}" type="datetimeFigureOut">
               <a:rPr lang="zh-TW" altLang="en-US" smtClean="0"/>
-              <a:t>2023/10/27</a:t>
+              <a:t>2025/3/13</a:t>
             </a:fld>
             <a:endParaRPr lang="zh-TW" altLang="en-US"/>
           </a:p>
@@ -3517,7 +3517,7 @@
           <a:p>
             <a:fld id="{4A1F79BB-3EDA-44D9-A391-8B70FA780266}" type="datetimeFigureOut">
               <a:rPr lang="zh-TW" altLang="en-US" smtClean="0"/>
-              <a:t>2023/10/27</a:t>
+              <a:t>2025/3/13</a:t>
             </a:fld>
             <a:endParaRPr lang="zh-TW" altLang="en-US"/>
           </a:p>
@@ -3805,7 +3805,7 @@
           <a:p>
             <a:fld id="{4A1F79BB-3EDA-44D9-A391-8B70FA780266}" type="datetimeFigureOut">
               <a:rPr lang="zh-TW" altLang="en-US" smtClean="0"/>
-              <a:t>2023/10/27</a:t>
+              <a:t>2025/3/13</a:t>
             </a:fld>
             <a:endParaRPr lang="zh-TW" altLang="en-US"/>
           </a:p>
@@ -4046,7 +4046,7 @@
           <a:p>
             <a:fld id="{4A1F79BB-3EDA-44D9-A391-8B70FA780266}" type="datetimeFigureOut">
               <a:rPr lang="zh-TW" altLang="en-US" smtClean="0"/>
-              <a:t>2023/10/27</a:t>
+              <a:t>2025/3/13</a:t>
             </a:fld>
             <a:endParaRPr lang="zh-TW" altLang="en-US"/>
           </a:p>
@@ -7862,7 +7862,7 @@
         <p:spPr>
           <a:xfrm>
             <a:off x="5487378" y="6212904"/>
-            <a:ext cx="6847567" cy="646331"/>
+            <a:ext cx="6847567" cy="461665"/>
           </a:xfrm>
           <a:prstGeom prst="rect">
             <a:avLst/>
@@ -7881,17 +7881,7 @@
             </a:r>
             <a:r>
               <a:rPr lang="en-US" altLang="zh-TW" sz="1200" dirty="0"/>
-              <a:t>, Duane D., et al. “A Comparison of Moment of Inertia Estimation Techniques for Vehicle Dynamics Simulation.” SAE Transactions, vol. 106, 1997, pp. 1557–75. JSTOR, </a:t>
-            </a:r>
-            <a:r>
-              <a:rPr lang="en-US" altLang="zh-TW" sz="1200" dirty="0">
-                <a:hlinkClick r:id="rId7"/>
-              </a:rPr>
-              <a:t>http://www.jstor.org/stable/44731313. Accessed 25 Oct. 2023</a:t>
-            </a:r>
-            <a:r>
-              <a:rPr lang="en-US" altLang="zh-TW" sz="1200" dirty="0"/>
-              <a:t>.  </a:t>
+              <a:t>, Duane D., et al. “A Comparison of Moment of Inertia Estimation Techniques for Vehicle Dynamics Simulation.” SAE Transactions, vol. 106, 1997, pp. 1557–75. JSTOR.</a:t>
             </a:r>
             <a:endParaRPr lang="zh-TW" altLang="en-US" sz="1200" dirty="0"/>
           </a:p>
